--- a/Проект ’STAR BATTLE’.pptx
+++ b/Проект ’STAR BATTLE’.pptx
@@ -7741,7 +7741,7 @@
             </a:r>
             <a:r>
               <a:rPr lang="en-US" dirty="0" smtClean="0"/>
-              <a:t>’STAR BATTLE’</a:t>
+              <a:t>STAR BATTLE</a:t>
             </a:r>
             <a:endParaRPr lang="ru-RU" dirty="0"/>
           </a:p>
@@ -7825,23 +7825,12 @@
           <a:bodyPr/>
           <a:lstStyle/>
           <a:p>
+            <a:pPr marL="0" indent="0">
+              <a:buNone/>
+            </a:pPr>
             <a:r>
               <a:rPr lang="ru-RU" dirty="0" smtClean="0"/>
-              <a:t>В наше время у многих людей плохо развита реакция</a:t>
-            </a:r>
-            <a:r>
-              <a:rPr lang="en-US" dirty="0" smtClean="0"/>
-              <a:t>, </a:t>
-            </a:r>
-            <a:r>
-              <a:rPr lang="ru-RU" dirty="0" smtClean="0"/>
-              <a:t>что способствует возникновению дополнительных проблем.</a:t>
-            </a:r>
-          </a:p>
-          <a:p>
-            <a:r>
-              <a:rPr lang="ru-RU" dirty="0" smtClean="0"/>
-              <a:t>Данная игра призвана для улучшения реакции </a:t>
+              <a:t>Идея игры – космическая битва. Цель - уничтожить как можно больше астероидов. Если врезаться в астероид – здоровье отнимется в зависимости от размера астероида.</a:t>
             </a:r>
             <a:endParaRPr lang="ru-RU" dirty="0"/>
           </a:p>
@@ -7926,11 +7915,26 @@
           <a:p>
             <a:r>
               <a:rPr lang="ru-RU" dirty="0" smtClean="0"/>
-              <a:t>Были использованы для данного проекта библиотека </a:t>
+              <a:t>Были использованы для данного </a:t>
+            </a:r>
+            <a:r>
+              <a:rPr lang="ru-RU" dirty="0" smtClean="0"/>
+              <a:t>проекта</a:t>
+            </a:r>
+            <a:r>
+              <a:rPr lang="en-US" dirty="0"/>
+              <a:t>:</a:t>
+            </a:r>
+            <a:endParaRPr lang="ru-RU" dirty="0" smtClean="0"/>
+          </a:p>
+          <a:p>
+            <a:r>
+              <a:rPr lang="ru-RU" dirty="0" smtClean="0"/>
+              <a:t>библиотека </a:t>
             </a:r>
             <a:r>
               <a:rPr lang="en-US" dirty="0" smtClean="0"/>
-              <a:t>PyQt5 </a:t>
+              <a:t>PyQt5</a:t>
             </a:r>
             <a:endParaRPr lang="ru-RU" dirty="0" smtClean="0"/>
           </a:p>
@@ -7967,16 +7971,35 @@
               <a:t> изображений и звуков была </a:t>
             </a:r>
             <a:r>
-              <a:rPr lang="ru-RU" dirty="0" err="1" smtClean="0"/>
-              <a:t>испльзована</a:t>
+              <a:rPr lang="ru-RU" dirty="0" smtClean="0"/>
+              <a:t>исп</a:t>
+            </a:r>
+            <a:r>
+              <a:rPr lang="ru-RU" dirty="0"/>
+              <a:t>о</a:t>
+            </a:r>
+            <a:r>
+              <a:rPr lang="ru-RU" dirty="0" smtClean="0"/>
+              <a:t>льзована </a:t>
+            </a:r>
+            <a:r>
+              <a:rPr lang="en-US" dirty="0" smtClean="0"/>
+              <a:t>OS</a:t>
+            </a:r>
+            <a:endParaRPr lang="ru-RU" dirty="0" smtClean="0"/>
+          </a:p>
+          <a:p>
+            <a:r>
+              <a:rPr lang="ru-RU" dirty="0" smtClean="0"/>
+              <a:t>Для генерации координат метеоров и звёзд была использована библиотека </a:t>
+            </a:r>
+            <a:r>
+              <a:rPr lang="en-US" dirty="0"/>
+              <a:t>random</a:t>
             </a:r>
             <a:r>
               <a:rPr lang="ru-RU" dirty="0" smtClean="0"/>
               <a:t> </a:t>
-            </a:r>
-            <a:r>
-              <a:rPr lang="en-US" dirty="0" smtClean="0"/>
-              <a:t>OS</a:t>
             </a:r>
             <a:endParaRPr lang="ru-RU" dirty="0" smtClean="0"/>
           </a:p>
@@ -8292,45 +8315,35 @@
             <a:pPr algn="just"/>
             <a:r>
               <a:rPr lang="ru-RU" dirty="0" smtClean="0"/>
-              <a:t>Плюсы</a:t>
+              <a:t>Нужно доработать</a:t>
             </a:r>
             <a:r>
               <a:rPr lang="en-US" dirty="0" smtClean="0"/>
               <a:t>:</a:t>
             </a:r>
+            <a:endParaRPr lang="ru-RU" dirty="0" smtClean="0"/>
           </a:p>
           <a:p>
             <a:pPr marL="0" indent="0" algn="just">
               <a:buNone/>
             </a:pPr>
             <a:r>
-              <a:rPr lang="en-US" dirty="0"/>
-              <a:t> </a:t>
-            </a:r>
-            <a:r>
-              <a:rPr lang="en-US" dirty="0" smtClean="0"/>
-              <a:t> - </a:t>
+              <a:rPr lang="ru-RU" dirty="0"/>
+              <a:t>-</a:t>
             </a:r>
             <a:r>
               <a:rPr lang="ru-RU" dirty="0" smtClean="0"/>
-              <a:t>Данная программа может быть использована для улучшение человеческой</a:t>
-            </a:r>
-            <a:r>
-              <a:rPr lang="en-US" dirty="0" smtClean="0"/>
-              <a:t> </a:t>
+              <a:t>более </a:t>
             </a:r>
             <a:r>
               <a:rPr lang="ru-RU" dirty="0" smtClean="0"/>
-              <a:t>реакции</a:t>
-            </a:r>
-            <a:r>
-              <a:rPr lang="en-US" dirty="0" smtClean="0"/>
-              <a:t>, </a:t>
+              <a:t>точное попадание снарядов в метеоры и реализовать </a:t>
             </a:r>
             <a:r>
               <a:rPr lang="ru-RU" dirty="0" smtClean="0"/>
-              <a:t>что помогло бы избежать в будущем дополнительных проблем. </a:t>
-            </a:r>
+              <a:t>магазин</a:t>
+            </a:r>
+            <a:endParaRPr lang="en-US" dirty="0" smtClean="0"/>
           </a:p>
           <a:p>
             <a:pPr marL="0" indent="0" algn="just">
@@ -8338,8 +8351,13 @@
             </a:pPr>
             <a:r>
               <a:rPr lang="ru-RU" dirty="0" smtClean="0"/>
-              <a:t>- В дальнейшем хотелось бы доработать более точное попадание снарядов в метеоры и реализовать магазин</a:t>
-            </a:r>
+              <a:t>-реализовать </a:t>
+            </a:r>
+            <a:r>
+              <a:rPr lang="ru-RU" dirty="0" smtClean="0"/>
+              <a:t>БД</a:t>
+            </a:r>
+            <a:endParaRPr lang="ru-RU" dirty="0" smtClean="0"/>
           </a:p>
           <a:p>
             <a:pPr marL="0" indent="0" algn="just">
@@ -8347,8 +8365,9 @@
             </a:pPr>
             <a:r>
               <a:rPr lang="ru-RU" dirty="0" smtClean="0"/>
-              <a:t>Во время разработки данного проекта возникали с анимацией взрывов </a:t>
-            </a:r>
+              <a:t>-разнообразие кораблей, астероидов, звездного неба и врагов</a:t>
+            </a:r>
+            <a:endParaRPr lang="ru-RU" dirty="0" smtClean="0"/>
           </a:p>
           <a:p>
             <a:pPr marL="0" indent="0" algn="just">

--- a/Проект ’STAR BATTLE’.pptx
+++ b/Проект ’STAR BATTLE’.pptx
@@ -8001,6 +8001,24 @@
               <a:rPr lang="ru-RU" dirty="0" smtClean="0"/>
               <a:t> </a:t>
             </a:r>
+          </a:p>
+          <a:p>
+            <a:r>
+              <a:rPr lang="ru-RU" dirty="0" smtClean="0"/>
+              <a:t>Дл</a:t>
+            </a:r>
+            <a:r>
+              <a:rPr lang="ru-RU" dirty="0" smtClean="0"/>
+              <a:t>я создания меню использован </a:t>
+            </a:r>
+            <a:r>
+              <a:rPr lang="en-US" dirty="0" err="1" smtClean="0"/>
+              <a:t>Qt</a:t>
+            </a:r>
+            <a:r>
+              <a:rPr lang="en-US" smtClean="0"/>
+              <a:t> Designer</a:t>
+            </a:r>
             <a:endParaRPr lang="ru-RU" dirty="0" smtClean="0"/>
           </a:p>
         </p:txBody>
@@ -8455,7 +8473,7 @@
           <a:bodyPr/>
           <a:lstStyle/>
           <a:p>
-            <a:endParaRPr lang="ru-RU"/>
+            <a:endParaRPr lang="ru-RU" dirty="0"/>
           </a:p>
         </p:txBody>
       </p:sp>

--- a/Проект ’STAR BATTLE’.pptx
+++ b/Проект ’STAR BATTLE’.pptx
@@ -7830,7 +7830,7 @@
             </a:pPr>
             <a:r>
               <a:rPr lang="ru-RU" dirty="0" smtClean="0"/>
-              <a:t>Идея игры – космическая битва. Цель - уничтожить как можно больше астероидов. Если врезаться в астероид – здоровье отнимется в зависимости от размера астероида.</a:t>
+              <a:t>Идея игры – космическая битва. Цель - уничтожить как можно больше астероидов. Если врезаться в астероид – здоровье у корабля уменьшается в зависимости от размера астероида.</a:t>
             </a:r>
             <a:endParaRPr lang="ru-RU" dirty="0"/>
           </a:p>
@@ -7910,7 +7910,9 @@
         </p:nvSpPr>
         <p:spPr/>
         <p:txBody>
-          <a:bodyPr/>
+          <a:bodyPr>
+            <a:normAutofit lnSpcReduction="10000"/>
+          </a:bodyPr>
           <a:lstStyle/>
           <a:p>
             <a:r>
@@ -7948,8 +7950,24 @@
               <a:t>отрисовки</a:t>
             </a:r>
             <a:r>
+              <a:rPr lang="en-US" dirty="0" smtClean="0"/>
+              <a:t> </a:t>
+            </a:r>
+            <a:r>
               <a:rPr lang="ru-RU" dirty="0" smtClean="0"/>
-              <a:t> была использована библиотека </a:t>
+              <a:t>игры и </a:t>
+            </a:r>
+            <a:r>
+              <a:rPr lang="ru-RU" dirty="0" err="1" smtClean="0"/>
+              <a:t>воиспроведения</a:t>
+            </a:r>
+            <a:r>
+              <a:rPr lang="ru-RU" dirty="0" smtClean="0"/>
+              <a:t> звуков была </a:t>
+            </a:r>
+            <a:r>
+              <a:rPr lang="ru-RU" dirty="0" smtClean="0"/>
+              <a:t>использована библиотека </a:t>
             </a:r>
             <a:r>
               <a:rPr lang="en-US" dirty="0" err="1" smtClean="0"/>
@@ -8016,9 +8034,46 @@
               <a:t>Qt</a:t>
             </a:r>
             <a:r>
+              <a:rPr lang="en-US" dirty="0" smtClean="0"/>
+              <a:t> Designer</a:t>
+            </a:r>
+            <a:endParaRPr lang="ru-RU" dirty="0" smtClean="0"/>
+          </a:p>
+          <a:p>
+            <a:r>
+              <a:rPr lang="ru-RU" dirty="0" smtClean="0"/>
+              <a:t>Для паузы </a:t>
+            </a:r>
+            <a:r>
+              <a:rPr lang="ru-RU" dirty="0"/>
+              <a:t>б</a:t>
+            </a:r>
+            <a:r>
+              <a:rPr lang="ru-RU" dirty="0" smtClean="0"/>
+              <a:t>ыла создана ф-</a:t>
+            </a:r>
+            <a:r>
+              <a:rPr lang="ru-RU" dirty="0" err="1" smtClean="0"/>
+              <a:t>ия</a:t>
+            </a:r>
+            <a:r>
+              <a:rPr lang="ru-RU" dirty="0" smtClean="0"/>
+              <a:t> </a:t>
+            </a:r>
+            <a:r>
               <a:rPr lang="en-US" smtClean="0"/>
-              <a:t> Designer</a:t>
-            </a:r>
+              <a:t>paused</a:t>
+            </a:r>
+            <a:r>
+              <a:rPr lang="ru-RU" smtClean="0"/>
+              <a:t> </a:t>
+            </a:r>
+            <a:endParaRPr lang="en-US" dirty="0" smtClean="0"/>
+          </a:p>
+          <a:p>
+            <a:pPr marL="0" indent="0">
+              <a:buNone/>
+            </a:pPr>
             <a:endParaRPr lang="ru-RU" dirty="0" smtClean="0"/>
           </a:p>
         </p:txBody>

--- a/Проект ’STAR BATTLE’.pptx
+++ b/Проект ’STAR BATTLE’.pptx
@@ -8061,11 +8061,11 @@
               <a:t> </a:t>
             </a:r>
             <a:r>
-              <a:rPr lang="en-US" smtClean="0"/>
+              <a:rPr lang="en-US" dirty="0" smtClean="0"/>
               <a:t>paused</a:t>
             </a:r>
             <a:r>
-              <a:rPr lang="ru-RU" smtClean="0"/>
+              <a:rPr lang="ru-RU" dirty="0" smtClean="0"/>
               <a:t> </a:t>
             </a:r>
             <a:endParaRPr lang="en-US" dirty="0" smtClean="0"/>
@@ -8150,7 +8150,7 @@
         </p:nvSpPr>
         <p:spPr>
           <a:xfrm>
-            <a:off x="4438070" y="5274139"/>
+            <a:off x="2752961" y="4346572"/>
             <a:ext cx="9613861" cy="1080938"/>
           </a:xfrm>
           <a:prstGeom prst="rect">

--- a/Проект ’STAR BATTLE’.pptx
+++ b/Проект ’STAR BATTLE’.pptx
@@ -391,7 +391,7 @@
           <a:p>
             <a:fld id="{78ABE3C1-DBE1-495D-B57B-2849774B866A}" type="datetimeFigureOut">
               <a:rPr lang="en-US" dirty="0"/>
-              <a:t>1/20/2020</a:t>
+              <a:t>1/21/2020</a:t>
             </a:fld>
             <a:endParaRPr lang="en-US" dirty="0"/>
           </a:p>
@@ -803,7 +803,7 @@
           <a:p>
             <a:fld id="{446C117F-5CCF-4837-BE5F-2B92066CAFAF}" type="datetimeFigureOut">
               <a:rPr lang="en-US" dirty="0"/>
-              <a:t>1/20/2020</a:t>
+              <a:t>1/21/2020</a:t>
             </a:fld>
             <a:endParaRPr lang="en-US" dirty="0"/>
           </a:p>
@@ -1137,7 +1137,7 @@
           <a:p>
             <a:fld id="{84EB90BD-B6CE-46B7-997F-7313B992CCDC}" type="datetimeFigureOut">
               <a:rPr lang="en-US" dirty="0"/>
-              <a:t>1/20/2020</a:t>
+              <a:t>1/21/2020</a:t>
             </a:fld>
             <a:endParaRPr lang="en-US" dirty="0"/>
           </a:p>
@@ -1540,7 +1540,7 @@
           <a:p>
             <a:fld id="{CDB9D11F-B188-461D-B23F-39381795C052}" type="datetimeFigureOut">
               <a:rPr lang="en-US" dirty="0"/>
-              <a:t>1/20/2020</a:t>
+              <a:t>1/21/2020</a:t>
             </a:fld>
             <a:endParaRPr lang="en-US" dirty="0"/>
           </a:p>
@@ -2106,7 +2106,7 @@
           <a:p>
             <a:fld id="{52E6D8D9-55A2-4063-B0F3-121F44549695}" type="datetimeFigureOut">
               <a:rPr lang="en-US" dirty="0"/>
-              <a:t>1/20/2020</a:t>
+              <a:t>1/21/2020</a:t>
             </a:fld>
             <a:endParaRPr lang="en-US" dirty="0"/>
           </a:p>
@@ -2785,7 +2785,7 @@
           <a:p>
             <a:fld id="{D4B24536-994D-4021-A283-9F449C0DB509}" type="datetimeFigureOut">
               <a:rPr lang="en-US" dirty="0"/>
-              <a:t>1/20/2020</a:t>
+              <a:t>1/21/2020</a:t>
             </a:fld>
             <a:endParaRPr lang="en-US" dirty="0"/>
           </a:p>
@@ -3696,7 +3696,7 @@
           <a:p>
             <a:fld id="{3CBBBB78-C96F-47B7-AB17-D852CA960AC9}" type="datetimeFigureOut">
               <a:rPr lang="en-US" dirty="0"/>
-              <a:t>1/20/2020</a:t>
+              <a:t>1/21/2020</a:t>
             </a:fld>
             <a:endParaRPr lang="en-US" dirty="0"/>
           </a:p>
@@ -4007,7 +4007,7 @@
           <a:p>
             <a:fld id="{1FA3F48C-C7C6-4055-9F49-3777875E72AE}" type="datetimeFigureOut">
               <a:rPr lang="en-US" dirty="0"/>
-              <a:t>1/20/2020</a:t>
+              <a:t>1/21/2020</a:t>
             </a:fld>
             <a:endParaRPr lang="en-US" dirty="0"/>
           </a:p>
@@ -4269,7 +4269,7 @@
           <a:p>
             <a:fld id="{6178E61D-D431-422C-9764-11DAFE33AB63}" type="datetimeFigureOut">
               <a:rPr lang="en-US" dirty="0"/>
-              <a:t>1/20/2020</a:t>
+              <a:t>1/21/2020</a:t>
             </a:fld>
             <a:endParaRPr lang="en-US" dirty="0"/>
           </a:p>
@@ -4591,7 +4591,7 @@
           <a:p>
             <a:fld id="{12DE42F4-6EEF-4EF7-8ED4-2208F0F89A08}" type="datetimeFigureOut">
               <a:rPr lang="en-US" dirty="0"/>
-              <a:t>1/20/2020</a:t>
+              <a:t>1/21/2020</a:t>
             </a:fld>
             <a:endParaRPr lang="en-US" dirty="0"/>
           </a:p>
@@ -4978,7 +4978,7 @@
           <a:p>
             <a:fld id="{30578ACC-22D6-47C1-A373-4FD133E34F3C}" type="datetimeFigureOut">
               <a:rPr lang="en-US" dirty="0"/>
-              <a:t>1/20/2020</a:t>
+              <a:t>1/21/2020</a:t>
             </a:fld>
             <a:endParaRPr lang="en-US" dirty="0"/>
           </a:p>
@@ -5352,7 +5352,7 @@
           <a:p>
             <a:fld id="{4E5A6C69-6797-4E8A-BF37-F2C3751466E9}" type="datetimeFigureOut">
               <a:rPr lang="en-US" dirty="0"/>
-              <a:t>1/20/2020</a:t>
+              <a:t>1/21/2020</a:t>
             </a:fld>
             <a:endParaRPr lang="en-US" dirty="0"/>
           </a:p>
@@ -5856,7 +5856,7 @@
           <a:p>
             <a:fld id="{D82014A1-A632-4878-A0D3-F52BA7563730}" type="datetimeFigureOut">
               <a:rPr lang="en-US" dirty="0"/>
-              <a:t>1/20/2020</a:t>
+              <a:t>1/21/2020</a:t>
             </a:fld>
             <a:endParaRPr lang="en-US" dirty="0"/>
           </a:p>
@@ -6111,7 +6111,7 @@
           <a:p>
             <a:fld id="{CE99F462-093F-4566-844B-4C71F2739DA5}" type="datetimeFigureOut">
               <a:rPr lang="en-US" dirty="0"/>
-              <a:t>1/20/2020</a:t>
+              <a:t>1/21/2020</a:t>
             </a:fld>
             <a:endParaRPr lang="en-US" dirty="0"/>
           </a:p>
@@ -6272,7 +6272,7 @@
           <a:p>
             <a:fld id="{3D24A7AC-904D-4781-85BA-7D10C17ED021}" type="datetimeFigureOut">
               <a:rPr lang="en-US" dirty="0"/>
-              <a:t>1/20/2020</a:t>
+              <a:t>1/21/2020</a:t>
             </a:fld>
             <a:endParaRPr lang="en-US" dirty="0"/>
           </a:p>
@@ -6660,7 +6660,7 @@
           <a:p>
             <a:fld id="{E331444B-B92B-4E27-8C94-BB93EAF5CB18}" type="datetimeFigureOut">
               <a:rPr lang="en-US" dirty="0"/>
-              <a:t>1/20/2020</a:t>
+              <a:t>1/21/2020</a:t>
             </a:fld>
             <a:endParaRPr lang="en-US" dirty="0"/>
           </a:p>
@@ -7067,7 +7067,7 @@
           <a:p>
             <a:fld id="{363EFA5E-FA76-400D-B3DC-F0BA90E6D107}" type="datetimeFigureOut">
               <a:rPr lang="en-US" dirty="0"/>
-              <a:t>1/20/2020</a:t>
+              <a:t>1/21/2020</a:t>
             </a:fld>
             <a:endParaRPr lang="en-US" dirty="0"/>
           </a:p>
@@ -7309,7 +7309,7 @@
           <a:p>
             <a:fld id="{9D6E9DEC-419B-4CC5-A080-3B06BD5A8291}" type="datetimeFigureOut">
               <a:rPr lang="en-US" dirty="0"/>
-              <a:t>1/20/2020</a:t>
+              <a:t>1/21/2020</a:t>
             </a:fld>
             <a:endParaRPr lang="en-US" dirty="0"/>
           </a:p>
@@ -7820,9 +7820,16 @@
             <p:ph idx="1"/>
           </p:nvPr>
         </p:nvSpPr>
-        <p:spPr/>
-        <p:txBody>
-          <a:bodyPr/>
+        <p:spPr>
+          <a:xfrm>
+            <a:off x="1353182" y="3258684"/>
+            <a:ext cx="9774894" cy="3599316"/>
+          </a:xfrm>
+        </p:spPr>
+        <p:txBody>
+          <a:bodyPr>
+            <a:normAutofit/>
+          </a:bodyPr>
           <a:lstStyle/>
           <a:p>
             <a:pPr marL="0" indent="0">
@@ -7908,170 +7915,459 @@
             <p:ph idx="1"/>
           </p:nvPr>
         </p:nvSpPr>
-        <p:spPr/>
+        <p:spPr>
+          <a:xfrm>
+            <a:off x="680321" y="2083831"/>
+            <a:ext cx="3994032" cy="4584388"/>
+          </a:xfrm>
+        </p:spPr>
         <p:txBody>
           <a:bodyPr>
             <a:normAutofit lnSpcReduction="10000"/>
           </a:bodyPr>
           <a:lstStyle/>
           <a:p>
+            <a:pPr marL="0" indent="0">
+              <a:buNone/>
+            </a:pPr>
             <a:r>
               <a:rPr lang="ru-RU" dirty="0" smtClean="0"/>
-              <a:t>Были использованы для данного </a:t>
-            </a:r>
+              <a:t>Модули</a:t>
+            </a:r>
+            <a:r>
+              <a:rPr lang="en-US" dirty="0" smtClean="0"/>
+              <a:t>:</a:t>
+            </a:r>
+          </a:p>
+          <a:p>
+            <a:r>
+              <a:rPr lang="en-US" sz="1800" dirty="0" smtClean="0"/>
+              <a:t>Menu </a:t>
+            </a:r>
+            <a:r>
+              <a:rPr lang="ru-RU" sz="1800" dirty="0" smtClean="0"/>
+              <a:t>(основное окно меню игры)</a:t>
+            </a:r>
+          </a:p>
+          <a:p>
+            <a:r>
+              <a:rPr lang="en-US" sz="1800" dirty="0" smtClean="0"/>
+              <a:t>Rules(</a:t>
+            </a:r>
+            <a:r>
+              <a:rPr lang="ru-RU" sz="1800" dirty="0" smtClean="0"/>
+              <a:t>окно с правилами игры)</a:t>
+            </a:r>
+          </a:p>
+          <a:p>
+            <a:r>
+              <a:rPr lang="en-US" sz="1800" dirty="0" smtClean="0"/>
+              <a:t>LEVEL(</a:t>
+            </a:r>
+            <a:r>
+              <a:rPr lang="ru-RU" sz="1800" dirty="0" smtClean="0"/>
+              <a:t>окно с выбором уровня игры)</a:t>
+            </a:r>
+            <a:r>
+              <a:rPr lang="en-US" sz="1800" dirty="0" smtClean="0"/>
+              <a:t>:</a:t>
+            </a:r>
+          </a:p>
+          <a:p>
+            <a:pPr marL="342900" indent="-342900">
+              <a:buFont typeface="+mj-lt"/>
+              <a:buAutoNum type="arabicPeriod"/>
+            </a:pPr>
+            <a:r>
+              <a:rPr lang="en-US" sz="1800" dirty="0" err="1" smtClean="0"/>
+              <a:t>Show_lvl</a:t>
+            </a:r>
+            <a:r>
+              <a:rPr lang="en-US" sz="1800" dirty="0" smtClean="0"/>
+              <a:t>(</a:t>
+            </a:r>
+            <a:r>
+              <a:rPr lang="ru-RU" sz="1800" dirty="0" smtClean="0"/>
+              <a:t>запуск игрового левела)</a:t>
+            </a:r>
+          </a:p>
+          <a:p>
+            <a:pPr marL="342900" indent="-342900">
+              <a:buFont typeface="+mj-lt"/>
+              <a:buAutoNum type="arabicPeriod"/>
+            </a:pPr>
+            <a:r>
+              <a:rPr lang="en-US" sz="1800" dirty="0" smtClean="0"/>
+              <a:t>Ship(</a:t>
+            </a:r>
+            <a:r>
+              <a:rPr lang="ru-RU" sz="1800" dirty="0" smtClean="0"/>
+              <a:t>перемещение корабля)</a:t>
+            </a:r>
+          </a:p>
+          <a:p>
+            <a:pPr marL="342900" indent="-342900">
+              <a:buFont typeface="+mj-lt"/>
+              <a:buAutoNum type="arabicPeriod"/>
+            </a:pPr>
+            <a:r>
+              <a:rPr lang="en-US" sz="1800" dirty="0" smtClean="0"/>
+              <a:t>Meteor(</a:t>
+            </a:r>
+            <a:r>
+              <a:rPr lang="ru-RU" sz="1800" dirty="0" smtClean="0"/>
+              <a:t>отвечает за генерацию на экране случайных метеоритов и их перемещение</a:t>
+            </a:r>
+            <a:r>
+              <a:rPr lang="en-US" sz="1800" dirty="0" smtClean="0"/>
+              <a:t>)</a:t>
+            </a:r>
+            <a:endParaRPr lang="ru-RU" sz="1800" dirty="0" smtClean="0"/>
+          </a:p>
+          <a:p>
+            <a:pPr marL="342900" indent="-342900">
+              <a:buFont typeface="+mj-lt"/>
+              <a:buAutoNum type="arabicPeriod"/>
+            </a:pPr>
+            <a:r>
+              <a:rPr lang="en-US" sz="1800" dirty="0" smtClean="0"/>
+              <a:t>Bullet</a:t>
+            </a:r>
+            <a:r>
+              <a:rPr lang="ru-RU" sz="1800" dirty="0" smtClean="0"/>
+              <a:t>(отвечает за выстрелы корабля)</a:t>
+            </a:r>
+          </a:p>
+          <a:p>
+            <a:pPr marL="342900" indent="-342900">
+              <a:buFont typeface="+mj-lt"/>
+              <a:buAutoNum type="arabicPeriod"/>
+            </a:pPr>
+            <a:r>
+              <a:rPr lang="en-US" sz="1800" dirty="0" smtClean="0"/>
+              <a:t>Animation</a:t>
+            </a:r>
+            <a:r>
+              <a:rPr lang="ru-RU" sz="1800" dirty="0" smtClean="0"/>
+              <a:t>(отвечает за анимацию взрывов)</a:t>
+            </a:r>
+          </a:p>
+          <a:p>
+            <a:endParaRPr lang="en-US" dirty="0" smtClean="0"/>
+          </a:p>
+          <a:p>
+            <a:endParaRPr lang="ru-RU" dirty="0" smtClean="0"/>
+          </a:p>
+        </p:txBody>
+      </p:sp>
+      <p:sp>
+        <p:nvSpPr>
+          <p:cNvPr id="4" name="Объект 2"/>
+          <p:cNvSpPr txBox="1">
+            <a:spLocks/>
+          </p:cNvSpPr>
+          <p:nvPr/>
+        </p:nvSpPr>
+        <p:spPr>
+          <a:xfrm>
+            <a:off x="6280030" y="2083831"/>
+            <a:ext cx="4175178" cy="4753155"/>
+          </a:xfrm>
+          <a:prstGeom prst="rect">
+            <a:avLst/>
+          </a:prstGeom>
+        </p:spPr>
+        <p:txBody>
+          <a:bodyPr vert="horz" lIns="91440" tIns="45720" rIns="91440" bIns="45720" rtlCol="0">
+            <a:normAutofit/>
+          </a:bodyPr>
+          <a:lstStyle>
+            <a:lvl1pPr marL="228600" indent="-228600" algn="l" defTabSz="914400" rtl="0" eaLnBrk="1" latinLnBrk="0" hangingPunct="1">
+              <a:lnSpc>
+                <a:spcPct val="90000"/>
+              </a:lnSpc>
+              <a:spcBef>
+                <a:spcPts val="1000"/>
+              </a:spcBef>
+              <a:buFont typeface="Arial" panose="020B0604020202020204" pitchFamily="34" charset="0"/>
+              <a:buChar char="•"/>
+              <a:defRPr sz="2400" kern="1200">
+                <a:solidFill>
+                  <a:schemeClr val="tx1"/>
+                </a:solidFill>
+                <a:latin typeface="+mn-lt"/>
+                <a:ea typeface="+mn-ea"/>
+                <a:cs typeface="+mn-cs"/>
+              </a:defRPr>
+            </a:lvl1pPr>
+            <a:lvl2pPr marL="685800" indent="-228600" algn="l" defTabSz="914400" rtl="0" eaLnBrk="1" latinLnBrk="0" hangingPunct="1">
+              <a:lnSpc>
+                <a:spcPct val="90000"/>
+              </a:lnSpc>
+              <a:spcBef>
+                <a:spcPts val="500"/>
+              </a:spcBef>
+              <a:buFont typeface="Arial" panose="020B0604020202020204" pitchFamily="34" charset="0"/>
+              <a:buChar char="•"/>
+              <a:defRPr sz="2000" kern="1200">
+                <a:solidFill>
+                  <a:schemeClr val="tx1"/>
+                </a:solidFill>
+                <a:latin typeface="+mn-lt"/>
+                <a:ea typeface="+mn-ea"/>
+                <a:cs typeface="+mn-cs"/>
+              </a:defRPr>
+            </a:lvl2pPr>
+            <a:lvl3pPr marL="1143000" indent="-228600" algn="l" defTabSz="914400" rtl="0" eaLnBrk="1" latinLnBrk="0" hangingPunct="1">
+              <a:lnSpc>
+                <a:spcPct val="90000"/>
+              </a:lnSpc>
+              <a:spcBef>
+                <a:spcPts val="500"/>
+              </a:spcBef>
+              <a:buFont typeface="Arial" panose="020B0604020202020204" pitchFamily="34" charset="0"/>
+              <a:buChar char="•"/>
+              <a:defRPr sz="1800" kern="1200">
+                <a:solidFill>
+                  <a:schemeClr val="tx1"/>
+                </a:solidFill>
+                <a:latin typeface="+mn-lt"/>
+                <a:ea typeface="+mn-ea"/>
+                <a:cs typeface="+mn-cs"/>
+              </a:defRPr>
+            </a:lvl3pPr>
+            <a:lvl4pPr marL="1600200" indent="-228600" algn="l" defTabSz="914400" rtl="0" eaLnBrk="1" latinLnBrk="0" hangingPunct="1">
+              <a:lnSpc>
+                <a:spcPct val="90000"/>
+              </a:lnSpc>
+              <a:spcBef>
+                <a:spcPts val="500"/>
+              </a:spcBef>
+              <a:buFont typeface="Arial" panose="020B0604020202020204" pitchFamily="34" charset="0"/>
+              <a:buChar char="•"/>
+              <a:defRPr sz="1600" kern="1200">
+                <a:solidFill>
+                  <a:schemeClr val="tx1"/>
+                </a:solidFill>
+                <a:latin typeface="+mn-lt"/>
+                <a:ea typeface="+mn-ea"/>
+                <a:cs typeface="+mn-cs"/>
+              </a:defRPr>
+            </a:lvl4pPr>
+            <a:lvl5pPr marL="2057400" indent="-228600" algn="l" defTabSz="914400" rtl="0" eaLnBrk="1" latinLnBrk="0" hangingPunct="1">
+              <a:lnSpc>
+                <a:spcPct val="90000"/>
+              </a:lnSpc>
+              <a:spcBef>
+                <a:spcPts val="500"/>
+              </a:spcBef>
+              <a:buFont typeface="Arial" panose="020B0604020202020204" pitchFamily="34" charset="0"/>
+              <a:buChar char="•"/>
+              <a:defRPr sz="1600" kern="1200">
+                <a:solidFill>
+                  <a:schemeClr val="tx1"/>
+                </a:solidFill>
+                <a:latin typeface="+mn-lt"/>
+                <a:ea typeface="+mn-ea"/>
+                <a:cs typeface="+mn-cs"/>
+              </a:defRPr>
+            </a:lvl5pPr>
+            <a:lvl6pPr marL="2514600" indent="-228600" algn="l" defTabSz="914400" rtl="0" eaLnBrk="1" latinLnBrk="0" hangingPunct="1">
+              <a:lnSpc>
+                <a:spcPct val="90000"/>
+              </a:lnSpc>
+              <a:spcBef>
+                <a:spcPts val="500"/>
+              </a:spcBef>
+              <a:buFont typeface="Arial" panose="020B0604020202020204" pitchFamily="34" charset="0"/>
+              <a:buChar char="•"/>
+              <a:defRPr sz="1400" kern="1200">
+                <a:solidFill>
+                  <a:schemeClr val="tx1"/>
+                </a:solidFill>
+                <a:latin typeface="+mn-lt"/>
+                <a:ea typeface="+mn-ea"/>
+                <a:cs typeface="+mn-cs"/>
+              </a:defRPr>
+            </a:lvl6pPr>
+            <a:lvl7pPr marL="2971800" indent="-228600" algn="l" defTabSz="914400" rtl="0" eaLnBrk="1" latinLnBrk="0" hangingPunct="1">
+              <a:lnSpc>
+                <a:spcPct val="90000"/>
+              </a:lnSpc>
+              <a:spcBef>
+                <a:spcPts val="500"/>
+              </a:spcBef>
+              <a:buFont typeface="Arial" panose="020B0604020202020204" pitchFamily="34" charset="0"/>
+              <a:buChar char="•"/>
+              <a:defRPr sz="1400" kern="1200">
+                <a:solidFill>
+                  <a:schemeClr val="tx1"/>
+                </a:solidFill>
+                <a:latin typeface="+mn-lt"/>
+                <a:ea typeface="+mn-ea"/>
+                <a:cs typeface="+mn-cs"/>
+              </a:defRPr>
+            </a:lvl7pPr>
+            <a:lvl8pPr marL="3429000" indent="-228600" algn="l" defTabSz="914400" rtl="0" eaLnBrk="1" latinLnBrk="0" hangingPunct="1">
+              <a:lnSpc>
+                <a:spcPct val="90000"/>
+              </a:lnSpc>
+              <a:spcBef>
+                <a:spcPts val="500"/>
+              </a:spcBef>
+              <a:buFont typeface="Arial" panose="020B0604020202020204" pitchFamily="34" charset="0"/>
+              <a:buChar char="•"/>
+              <a:defRPr sz="1400" kern="1200">
+                <a:solidFill>
+                  <a:schemeClr val="tx1"/>
+                </a:solidFill>
+                <a:latin typeface="+mn-lt"/>
+                <a:ea typeface="+mn-ea"/>
+                <a:cs typeface="+mn-cs"/>
+              </a:defRPr>
+            </a:lvl8pPr>
+            <a:lvl9pPr marL="3886200" indent="-228600" algn="l" defTabSz="914400" rtl="0" eaLnBrk="1" latinLnBrk="0" hangingPunct="1">
+              <a:lnSpc>
+                <a:spcPct val="90000"/>
+              </a:lnSpc>
+              <a:spcBef>
+                <a:spcPts val="500"/>
+              </a:spcBef>
+              <a:buFont typeface="Arial" panose="020B0604020202020204" pitchFamily="34" charset="0"/>
+              <a:buChar char="•"/>
+              <a:defRPr sz="1400" kern="1200">
+                <a:solidFill>
+                  <a:schemeClr val="tx1"/>
+                </a:solidFill>
+                <a:latin typeface="+mn-lt"/>
+                <a:ea typeface="+mn-ea"/>
+                <a:cs typeface="+mn-cs"/>
+              </a:defRPr>
+            </a:lvl9pPr>
+          </a:lstStyle>
+          <a:p>
+            <a:pPr marL="0" indent="0">
+              <a:buNone/>
+            </a:pPr>
             <a:r>
               <a:rPr lang="ru-RU" dirty="0" smtClean="0"/>
-              <a:t>проекта</a:t>
-            </a:r>
-            <a:r>
-              <a:rPr lang="en-US" dirty="0"/>
+              <a:t>Библиотеки</a:t>
+            </a:r>
+            <a:r>
+              <a:rPr lang="en-US" dirty="0" smtClean="0"/>
               <a:t>:</a:t>
             </a:r>
             <a:endParaRPr lang="ru-RU" dirty="0" smtClean="0"/>
           </a:p>
           <a:p>
             <a:r>
-              <a:rPr lang="ru-RU" dirty="0" smtClean="0"/>
+              <a:rPr lang="ru-RU" sz="1900" dirty="0" smtClean="0"/>
               <a:t>библиотека </a:t>
             </a:r>
             <a:r>
-              <a:rPr lang="en-US" dirty="0" smtClean="0"/>
+              <a:rPr lang="en-US" sz="1900" dirty="0" smtClean="0"/>
               <a:t>PyQt5</a:t>
             </a:r>
-            <a:endParaRPr lang="ru-RU" dirty="0" smtClean="0"/>
-          </a:p>
-          <a:p>
-            <a:r>
-              <a:rPr lang="ru-RU" dirty="0" smtClean="0"/>
+            <a:r>
+              <a:rPr lang="ru-RU" sz="1900" dirty="0" smtClean="0"/>
+              <a:t>(для </a:t>
+            </a:r>
+            <a:r>
+              <a:rPr lang="en-US" sz="1900" dirty="0" smtClean="0"/>
+              <a:t>Menu)</a:t>
+            </a:r>
+            <a:endParaRPr lang="ru-RU" sz="1900" dirty="0" smtClean="0"/>
+          </a:p>
+          <a:p>
+            <a:r>
+              <a:rPr lang="ru-RU" sz="1900" dirty="0" smtClean="0"/>
               <a:t>Для </a:t>
             </a:r>
             <a:r>
-              <a:rPr lang="ru-RU" dirty="0" err="1" smtClean="0"/>
+              <a:rPr lang="ru-RU" sz="1900" dirty="0" err="1" smtClean="0"/>
               <a:t>отрисовки</a:t>
             </a:r>
             <a:r>
-              <a:rPr lang="en-US" dirty="0" smtClean="0"/>
+              <a:rPr lang="en-US" sz="1900" dirty="0" smtClean="0"/>
               <a:t> </a:t>
             </a:r>
             <a:r>
-              <a:rPr lang="ru-RU" dirty="0" smtClean="0"/>
-              <a:t>игры и </a:t>
-            </a:r>
-            <a:r>
-              <a:rPr lang="ru-RU" dirty="0" err="1" smtClean="0"/>
-              <a:t>воиспроведения</a:t>
-            </a:r>
-            <a:r>
-              <a:rPr lang="ru-RU" dirty="0" smtClean="0"/>
-              <a:t> звуков была </a:t>
-            </a:r>
-            <a:r>
-              <a:rPr lang="ru-RU" dirty="0" smtClean="0"/>
-              <a:t>использована библиотека </a:t>
-            </a:r>
-            <a:r>
-              <a:rPr lang="en-US" dirty="0" err="1" smtClean="0"/>
+              <a:rPr lang="ru-RU" sz="1900" dirty="0" smtClean="0"/>
+              <a:t>игры</a:t>
+            </a:r>
+            <a:r>
+              <a:rPr lang="en-US" sz="1900" dirty="0" smtClean="0"/>
+              <a:t>, </a:t>
+            </a:r>
+            <a:r>
+              <a:rPr lang="ru-RU" sz="1900" dirty="0" smtClean="0"/>
+              <a:t>остановки и </a:t>
+            </a:r>
+            <a:r>
+              <a:rPr lang="ru-RU" sz="1900" dirty="0" err="1"/>
+              <a:t>воиспроизведения</a:t>
+            </a:r>
+            <a:r>
+              <a:rPr lang="ru-RU" sz="1900" dirty="0" smtClean="0"/>
+              <a:t> звуков была использована библиотека </a:t>
+            </a:r>
+            <a:r>
+              <a:rPr lang="en-US" sz="1900" dirty="0" err="1" smtClean="0"/>
               <a:t>Pygame</a:t>
             </a:r>
-            <a:endParaRPr lang="en-US" dirty="0" smtClean="0"/>
-          </a:p>
-          <a:p>
-            <a:r>
-              <a:rPr lang="ru-RU" dirty="0" smtClean="0"/>
+            <a:endParaRPr lang="en-US" sz="1900" dirty="0" smtClean="0"/>
+          </a:p>
+          <a:p>
+            <a:r>
+              <a:rPr lang="ru-RU" sz="1900" dirty="0" smtClean="0"/>
               <a:t>Для </a:t>
             </a:r>
             <a:r>
-              <a:rPr lang="ru-RU" dirty="0" err="1" smtClean="0"/>
+              <a:rPr lang="ru-RU" sz="1900" dirty="0" err="1" smtClean="0"/>
               <a:t>подгрузки</a:t>
             </a:r>
             <a:r>
-              <a:rPr lang="ru-RU" dirty="0" smtClean="0"/>
-              <a:t> изображений и звуков была </a:t>
-            </a:r>
-            <a:r>
-              <a:rPr lang="ru-RU" dirty="0" smtClean="0"/>
-              <a:t>исп</a:t>
-            </a:r>
-            <a:r>
-              <a:rPr lang="ru-RU" dirty="0"/>
-              <a:t>о</a:t>
-            </a:r>
-            <a:r>
-              <a:rPr lang="ru-RU" dirty="0" smtClean="0"/>
-              <a:t>льзована </a:t>
-            </a:r>
-            <a:r>
-              <a:rPr lang="en-US" dirty="0" smtClean="0"/>
+              <a:rPr lang="ru-RU" sz="1900" dirty="0" smtClean="0"/>
+              <a:t> изображений и звуков была использована </a:t>
+            </a:r>
+            <a:r>
+              <a:rPr lang="en-US" sz="1900" dirty="0" smtClean="0"/>
               <a:t>OS</a:t>
             </a:r>
-            <a:endParaRPr lang="ru-RU" dirty="0" smtClean="0"/>
-          </a:p>
-          <a:p>
-            <a:r>
-              <a:rPr lang="ru-RU" dirty="0" smtClean="0"/>
+            <a:endParaRPr lang="ru-RU" sz="1900" dirty="0" smtClean="0"/>
+          </a:p>
+          <a:p>
+            <a:r>
+              <a:rPr lang="ru-RU" sz="1900" dirty="0" smtClean="0"/>
               <a:t>Для генерации координат метеоров и звёзд была использована библиотека </a:t>
             </a:r>
             <a:r>
-              <a:rPr lang="en-US" dirty="0"/>
+              <a:rPr lang="en-US" sz="1900" dirty="0" smtClean="0"/>
               <a:t>random</a:t>
             </a:r>
             <a:r>
-              <a:rPr lang="ru-RU" dirty="0" smtClean="0"/>
+              <a:rPr lang="ru-RU" sz="1900" dirty="0" smtClean="0"/>
               <a:t> </a:t>
             </a:r>
           </a:p>
           <a:p>
             <a:r>
-              <a:rPr lang="ru-RU" dirty="0" smtClean="0"/>
-              <a:t>Дл</a:t>
-            </a:r>
-            <a:r>
-              <a:rPr lang="ru-RU" dirty="0" smtClean="0"/>
-              <a:t>я создания меню использован </a:t>
-            </a:r>
-            <a:r>
-              <a:rPr lang="en-US" dirty="0" err="1" smtClean="0"/>
+              <a:rPr lang="ru-RU" sz="1900" dirty="0" smtClean="0"/>
+              <a:t>Для создания меню использован </a:t>
+            </a:r>
+            <a:r>
+              <a:rPr lang="en-US" sz="1900" dirty="0" err="1" smtClean="0"/>
               <a:t>Qt</a:t>
             </a:r>
             <a:r>
-              <a:rPr lang="en-US" dirty="0" smtClean="0"/>
+              <a:rPr lang="en-US" sz="1900" dirty="0" smtClean="0"/>
               <a:t> Designer</a:t>
             </a:r>
-            <a:endParaRPr lang="ru-RU" dirty="0" smtClean="0"/>
-          </a:p>
-          <a:p>
-            <a:r>
-              <a:rPr lang="ru-RU" dirty="0" smtClean="0"/>
-              <a:t>Для паузы </a:t>
-            </a:r>
-            <a:r>
-              <a:rPr lang="ru-RU" dirty="0"/>
-              <a:t>б</a:t>
-            </a:r>
-            <a:r>
-              <a:rPr lang="ru-RU" dirty="0" smtClean="0"/>
-              <a:t>ыла создана ф-</a:t>
-            </a:r>
-            <a:r>
-              <a:rPr lang="ru-RU" dirty="0" err="1" smtClean="0"/>
-              <a:t>ия</a:t>
-            </a:r>
-            <a:r>
-              <a:rPr lang="ru-RU" dirty="0" smtClean="0"/>
-              <a:t> </a:t>
-            </a:r>
-            <a:r>
-              <a:rPr lang="en-US" dirty="0" smtClean="0"/>
-              <a:t>paused</a:t>
-            </a:r>
-            <a:r>
-              <a:rPr lang="ru-RU" dirty="0" smtClean="0"/>
-              <a:t> </a:t>
-            </a:r>
-            <a:endParaRPr lang="en-US" dirty="0" smtClean="0"/>
+            <a:endParaRPr lang="ru-RU" sz="1900" dirty="0" smtClean="0"/>
           </a:p>
           <a:p>
             <a:pPr marL="0" indent="0">
+              <a:buFont typeface="Arial" panose="020B0604020202020204" pitchFamily="34" charset="0"/>
               <a:buNone/>
             </a:pPr>
             <a:endParaRPr lang="ru-RU" dirty="0" smtClean="0"/>
@@ -8401,22 +8697,24 @@
               <a:buNone/>
             </a:pPr>
             <a:r>
-              <a:rPr lang="ru-RU" dirty="0"/>
-              <a:t>-</a:t>
-            </a:r>
-            <a:r>
               <a:rPr lang="ru-RU" dirty="0" smtClean="0"/>
-              <a:t>более </a:t>
+              <a:t>- более </a:t>
             </a:r>
             <a:r>
               <a:rPr lang="ru-RU" dirty="0" smtClean="0"/>
-              <a:t>точное попадание снарядов в метеоры и реализовать </a:t>
-            </a:r>
+              <a:t>точное попадание снарядов в метеоры и реализовать магазин</a:t>
+            </a:r>
+            <a:endParaRPr lang="en-US" dirty="0" smtClean="0"/>
+          </a:p>
+          <a:p>
+            <a:pPr marL="0" indent="0" algn="just">
+              <a:buNone/>
+            </a:pPr>
             <a:r>
               <a:rPr lang="ru-RU" dirty="0" smtClean="0"/>
-              <a:t>магазин</a:t>
-            </a:r>
-            <a:endParaRPr lang="en-US" dirty="0" smtClean="0"/>
+              <a:t>- реализовать базу данных</a:t>
+            </a:r>
+            <a:endParaRPr lang="ru-RU" dirty="0" smtClean="0"/>
           </a:p>
           <a:p>
             <a:pPr marL="0" indent="0" algn="just">
@@ -8424,23 +8722,12 @@
             </a:pPr>
             <a:r>
               <a:rPr lang="ru-RU" dirty="0" smtClean="0"/>
-              <a:t>-реализовать </a:t>
+              <a:t>- разнообразие </a:t>
             </a:r>
             <a:r>
               <a:rPr lang="ru-RU" dirty="0" smtClean="0"/>
-              <a:t>БД</a:t>
-            </a:r>
-            <a:endParaRPr lang="ru-RU" dirty="0" smtClean="0"/>
-          </a:p>
-          <a:p>
-            <a:pPr marL="0" indent="0" algn="just">
-              <a:buNone/>
-            </a:pPr>
-            <a:r>
-              <a:rPr lang="ru-RU" dirty="0" smtClean="0"/>
-              <a:t>-разнообразие кораблей, астероидов, звездного неба и врагов</a:t>
-            </a:r>
-            <a:endParaRPr lang="ru-RU" dirty="0" smtClean="0"/>
+              <a:t>кораблей, астероидов, звездного неба и врагов</a:t>
+            </a:r>
           </a:p>
           <a:p>
             <a:pPr marL="0" indent="0" algn="just">
@@ -8509,25 +8796,6 @@
               <a:rPr lang="ru-RU" dirty="0" smtClean="0"/>
               <a:t>Спасибо за внимание!</a:t>
             </a:r>
-            <a:endParaRPr lang="ru-RU" dirty="0"/>
-          </a:p>
-        </p:txBody>
-      </p:sp>
-      <p:sp>
-        <p:nvSpPr>
-          <p:cNvPr id="5" name="Подзаголовок 4"/>
-          <p:cNvSpPr>
-            <a:spLocks noGrp="1"/>
-          </p:cNvSpPr>
-          <p:nvPr>
-            <p:ph type="subTitle" idx="1"/>
-          </p:nvPr>
-        </p:nvSpPr>
-        <p:spPr/>
-        <p:txBody>
-          <a:bodyPr/>
-          <a:lstStyle/>
-          <a:p>
             <a:endParaRPr lang="ru-RU" dirty="0"/>
           </a:p>
         </p:txBody>
